--- a/2022-10-26-JetBrainsDotNetDays-TheBackgroundOnBackgroundTasksInDotNet6/The Background on Background Tasks.pptx
+++ b/2022-10-26-JetBrainsDotNetDays-TheBackgroundOnBackgroundTasksInDotNet6/The Background on Background Tasks.pptx
@@ -237,7 +237,7 @@
           <a:p>
             <a:fld id="{8EBF47D1-607F-45EE-AE63-C10CF3AC8DD9}" type="datetimeFigureOut">
               <a:rPr lang="en-US" smtClean="0"/>
-              <a:t>10/20/2022</a:t>
+              <a:t>10/20/2024</a:t>
             </a:fld>
             <a:endParaRPr lang="en-US"/>
           </a:p>
@@ -4659,7 +4659,7 @@
           <a:p>
             <a:fld id="{A4BF2526-C75C-47BE-928B-0135A92A66BE}" type="datetimeFigureOut">
               <a:rPr lang="en-US" smtClean="0"/>
-              <a:t>10/20/2022</a:t>
+              <a:t>10/20/2024</a:t>
             </a:fld>
             <a:endParaRPr lang="en-US"/>
           </a:p>
@@ -4857,7 +4857,7 @@
           <a:p>
             <a:fld id="{A4BF2526-C75C-47BE-928B-0135A92A66BE}" type="datetimeFigureOut">
               <a:rPr lang="en-US" smtClean="0"/>
-              <a:t>10/20/2022</a:t>
+              <a:t>10/20/2024</a:t>
             </a:fld>
             <a:endParaRPr lang="en-US"/>
           </a:p>
@@ -5065,7 +5065,7 @@
           <a:p>
             <a:fld id="{A4BF2526-C75C-47BE-928B-0135A92A66BE}" type="datetimeFigureOut">
               <a:rPr lang="en-US" smtClean="0"/>
-              <a:t>10/20/2022</a:t>
+              <a:t>10/20/2024</a:t>
             </a:fld>
             <a:endParaRPr lang="en-US"/>
           </a:p>
@@ -5263,7 +5263,7 @@
           <a:p>
             <a:fld id="{A4BF2526-C75C-47BE-928B-0135A92A66BE}" type="datetimeFigureOut">
               <a:rPr lang="en-US" smtClean="0"/>
-              <a:t>10/20/2022</a:t>
+              <a:t>10/20/2024</a:t>
             </a:fld>
             <a:endParaRPr lang="en-US"/>
           </a:p>
@@ -5538,7 +5538,7 @@
           <a:p>
             <a:fld id="{A4BF2526-C75C-47BE-928B-0135A92A66BE}" type="datetimeFigureOut">
               <a:rPr lang="en-US" smtClean="0"/>
-              <a:t>10/20/2022</a:t>
+              <a:t>10/20/2024</a:t>
             </a:fld>
             <a:endParaRPr lang="en-US"/>
           </a:p>
@@ -5803,7 +5803,7 @@
           <a:p>
             <a:fld id="{A4BF2526-C75C-47BE-928B-0135A92A66BE}" type="datetimeFigureOut">
               <a:rPr lang="en-US" smtClean="0"/>
-              <a:t>10/20/2022</a:t>
+              <a:t>10/20/2024</a:t>
             </a:fld>
             <a:endParaRPr lang="en-US"/>
           </a:p>
@@ -6215,7 +6215,7 @@
           <a:p>
             <a:fld id="{A4BF2526-C75C-47BE-928B-0135A92A66BE}" type="datetimeFigureOut">
               <a:rPr lang="en-US" smtClean="0"/>
-              <a:t>10/20/2022</a:t>
+              <a:t>10/20/2024</a:t>
             </a:fld>
             <a:endParaRPr lang="en-US"/>
           </a:p>
@@ -6356,7 +6356,7 @@
           <a:p>
             <a:fld id="{A4BF2526-C75C-47BE-928B-0135A92A66BE}" type="datetimeFigureOut">
               <a:rPr lang="en-US" smtClean="0"/>
-              <a:t>10/20/2022</a:t>
+              <a:t>10/20/2024</a:t>
             </a:fld>
             <a:endParaRPr lang="en-US"/>
           </a:p>
@@ -6469,7 +6469,7 @@
           <a:p>
             <a:fld id="{A4BF2526-C75C-47BE-928B-0135A92A66BE}" type="datetimeFigureOut">
               <a:rPr lang="en-US" smtClean="0"/>
-              <a:t>10/20/2022</a:t>
+              <a:t>10/20/2024</a:t>
             </a:fld>
             <a:endParaRPr lang="en-US"/>
           </a:p>
@@ -6780,7 +6780,7 @@
           <a:p>
             <a:fld id="{A4BF2526-C75C-47BE-928B-0135A92A66BE}" type="datetimeFigureOut">
               <a:rPr lang="en-US" smtClean="0"/>
-              <a:t>10/20/2022</a:t>
+              <a:t>10/20/2024</a:t>
             </a:fld>
             <a:endParaRPr lang="en-US"/>
           </a:p>
@@ -7068,7 +7068,7 @@
           <a:p>
             <a:fld id="{A4BF2526-C75C-47BE-928B-0135A92A66BE}" type="datetimeFigureOut">
               <a:rPr lang="en-US" smtClean="0"/>
-              <a:t>10/20/2022</a:t>
+              <a:t>10/20/2024</a:t>
             </a:fld>
             <a:endParaRPr lang="en-US"/>
           </a:p>
@@ -7309,7 +7309,7 @@
           <a:p>
             <a:fld id="{A4BF2526-C75C-47BE-928B-0135A92A66BE}" type="datetimeFigureOut">
               <a:rPr lang="en-US" smtClean="0"/>
-              <a:t>10/20/2022</a:t>
+              <a:t>10/20/2024</a:t>
             </a:fld>
             <a:endParaRPr lang="en-US"/>
           </a:p>
@@ -9650,7 +9650,7 @@
         </p:blipFill>
         <p:spPr>
           <a:xfrm>
-            <a:off x="4250072" y="1825624"/>
+            <a:off x="4250072" y="1841526"/>
             <a:ext cx="5635634" cy="413484"/>
           </a:xfrm>
           <a:prstGeom prst="rect">
